--- a/fitbit_dunn_garza_hackney_25Apr19.pptx
+++ b/fitbit_dunn_garza_hackney_25Apr19.pptx
@@ -7,10 +7,14 @@
   <p:sldIdLst>
     <p:sldId id="256" r:id="rId2"/>
     <p:sldId id="259" r:id="rId3"/>
-    <p:sldId id="257" r:id="rId4"/>
-    <p:sldId id="258" r:id="rId5"/>
-    <p:sldId id="260" r:id="rId6"/>
-    <p:sldId id="261" r:id="rId7"/>
+    <p:sldId id="263" r:id="rId4"/>
+    <p:sldId id="257" r:id="rId5"/>
+    <p:sldId id="265" r:id="rId6"/>
+    <p:sldId id="267" r:id="rId7"/>
+    <p:sldId id="266" r:id="rId8"/>
+    <p:sldId id="264" r:id="rId9"/>
+    <p:sldId id="258" r:id="rId10"/>
+    <p:sldId id="269" r:id="rId11"/>
   </p:sldIdLst>
   <p:sldSz cx="9144000" cy="6858000" type="screen4x3"/>
   <p:notesSz cx="6858000" cy="9144000"/>
@@ -109,6 +113,92 @@
       </a:defRPr>
     </a:lvl9pPr>
   </p:defaultTextStyle>
+  <p:extLst>
+    <p:ext uri="{EFAFB233-063F-42B5-8137-9DF3F51BA10A}">
+      <p15:sldGuideLst xmlns:p15="http://schemas.microsoft.com/office/powerpoint/2012/main">
+        <p15:guide id="1" orient="horz" pos="954" userDrawn="1">
+          <p15:clr>
+            <a:srgbClr val="A4A3A4"/>
+          </p15:clr>
+        </p15:guide>
+        <p15:guide id="2" pos="447" userDrawn="1">
+          <p15:clr>
+            <a:srgbClr val="A4A3A4"/>
+          </p15:clr>
+        </p15:guide>
+        <p15:guide id="3" pos="4453" userDrawn="1">
+          <p15:clr>
+            <a:srgbClr val="A4A3A4"/>
+          </p15:clr>
+        </p15:guide>
+        <p15:guide id="4" orient="horz" pos="3232" userDrawn="1">
+          <p15:clr>
+            <a:srgbClr val="A4A3A4"/>
+          </p15:clr>
+        </p15:guide>
+        <p15:guide id="5" pos="3499" userDrawn="1">
+          <p15:clr>
+            <a:srgbClr val="A4A3A4"/>
+          </p15:clr>
+        </p15:guide>
+        <p15:guide id="6" pos="5631" userDrawn="1">
+          <p15:clr>
+            <a:srgbClr val="A4A3A4"/>
+          </p15:clr>
+        </p15:guide>
+        <p15:guide id="7" orient="horz" pos="3465" userDrawn="1">
+          <p15:clr>
+            <a:srgbClr val="A4A3A4"/>
+          </p15:clr>
+        </p15:guide>
+        <p15:guide id="8" orient="horz" pos="4092" userDrawn="1">
+          <p15:clr>
+            <a:srgbClr val="A4A3A4"/>
+          </p15:clr>
+        </p15:guide>
+        <p15:guide id="9" orient="horz" pos="2132" userDrawn="1">
+          <p15:clr>
+            <a:srgbClr val="A4A3A4"/>
+          </p15:clr>
+        </p15:guide>
+        <p15:guide id="10" orient="horz" pos="524" userDrawn="1">
+          <p15:clr>
+            <a:srgbClr val="A4A3A4"/>
+          </p15:clr>
+        </p15:guide>
+        <p15:guide id="11" orient="horz" pos="748" userDrawn="1">
+          <p15:clr>
+            <a:srgbClr val="A4A3A4"/>
+          </p15:clr>
+        </p15:guide>
+        <p15:guide id="12" orient="horz" pos="817" userDrawn="1">
+          <p15:clr>
+            <a:srgbClr val="A4A3A4"/>
+          </p15:clr>
+        </p15:guide>
+        <p15:guide id="13" orient="horz" pos="2448" userDrawn="1">
+          <p15:clr>
+            <a:srgbClr val="A4A3A4"/>
+          </p15:clr>
+        </p15:guide>
+        <p15:guide id="14" orient="horz" pos="2674" userDrawn="1">
+          <p15:clr>
+            <a:srgbClr val="A4A3A4"/>
+          </p15:clr>
+        </p15:guide>
+        <p15:guide id="15" orient="horz" pos="2760" userDrawn="1">
+          <p15:clr>
+            <a:srgbClr val="A4A3A4"/>
+          </p15:clr>
+        </p15:guide>
+        <p15:guide id="16" orient="horz" pos="3929" userDrawn="1">
+          <p15:clr>
+            <a:srgbClr val="A4A3A4"/>
+          </p15:clr>
+        </p15:guide>
+      </p15:sldGuideLst>
+    </p:ext>
+  </p:extLst>
 </p:presentation>
 </file>
 
@@ -6049,16 +6139,24 @@
           <a:bodyPr/>
           <a:lstStyle/>
           <a:p>
+            <a:pPr>
+              <a:spcAft>
+                <a:spcPts val="600"/>
+              </a:spcAft>
+            </a:pPr>
             <a:r>
               <a:rPr lang="en-US" dirty="0"/>
               <a:t>Time Series Analysis project</a:t>
             </a:r>
             <a:r>
-              <a:rPr lang="en-US" sz="3600" i="1" dirty="0"/>
+              <a:rPr lang="en-US" sz="1050" i="1" dirty="0"/>
               <a:t> </a:t>
             </a:r>
             <a:br>
-              <a:rPr lang="en-US" sz="3600" i="1" dirty="0"/>
+              <a:rPr lang="en-US" sz="1050" i="1" dirty="0"/>
+            </a:br>
+            <a:br>
+              <a:rPr lang="en-US" sz="1050" i="1" dirty="0"/>
             </a:br>
             <a:r>
               <a:rPr lang="en-US" sz="3600" i="1" dirty="0"/>
@@ -6143,71 +6241,271 @@
         </p:blipFill>
         <p:spPr>
           <a:xfrm>
-            <a:off x="58985" y="6253255"/>
-            <a:ext cx="2143219" cy="595339"/>
+            <a:off x="99930" y="6327407"/>
+            <a:ext cx="1728872" cy="480243"/>
           </a:xfrm>
           <a:prstGeom prst="rect">
             <a:avLst/>
           </a:prstGeom>
         </p:spPr>
       </p:pic>
-      <p:sp>
-        <p:nvSpPr>
-          <p:cNvPr id="5" name="TextBox 4">
+    </p:spTree>
+    <p:extLst>
+      <p:ext uri="{BB962C8B-B14F-4D97-AF65-F5344CB8AC3E}">
+        <p14:creationId xmlns:p14="http://schemas.microsoft.com/office/powerpoint/2010/main" val="3271084535"/>
+      </p:ext>
+    </p:extLst>
+  </p:cSld>
+  <p:clrMapOvr>
+    <a:masterClrMapping/>
+  </p:clrMapOvr>
+</p:sld>
+</file>
+
+<file path=ppt/slides/slide10.xml><?xml version="1.0" encoding="utf-8"?>
+<p:sld xmlns:a="http://schemas.openxmlformats.org/drawingml/2006/main" xmlns:r="http://schemas.openxmlformats.org/officeDocument/2006/relationships" xmlns:p="http://schemas.openxmlformats.org/presentationml/2006/main">
+  <p:cSld>
+    <p:spTree>
+      <p:nvGrpSpPr>
+        <p:cNvPr id="1" name=""/>
+        <p:cNvGrpSpPr/>
+        <p:nvPr/>
+      </p:nvGrpSpPr>
+      <p:grpSpPr>
+        <a:xfrm>
+          <a:off x="0" y="0"/>
+          <a:ext cx="0" cy="0"/>
+          <a:chOff x="0" y="0"/>
+          <a:chExt cx="0" cy="0"/>
+        </a:xfrm>
+      </p:grpSpPr>
+      <p:pic>
+        <p:nvPicPr>
+          <p:cNvPr id="6" name="Picture 5">
             <a:extLst>
               <a:ext uri="{FF2B5EF4-FFF2-40B4-BE49-F238E27FC236}">
-                <a16:creationId xmlns:a16="http://schemas.microsoft.com/office/drawing/2014/main" id="{0166BDFF-5438-924E-A618-CEBF6EED0EE6}"/>
+                <a16:creationId xmlns:a16="http://schemas.microsoft.com/office/drawing/2014/main" id="{4FDD4A2D-3894-224A-AE44-D2DF2B103F4C}"/>
               </a:ext>
             </a:extLst>
           </p:cNvPr>
-          <p:cNvSpPr txBox="1"/>
+          <p:cNvPicPr>
+            <a:picLocks noChangeAspect="1"/>
+          </p:cNvPicPr>
           <p:nvPr/>
-        </p:nvSpPr>
+        </p:nvPicPr>
+        <p:blipFill rotWithShape="1">
+          <a:blip r:embed="rId2"/>
+          <a:srcRect t="50300"/>
+          <a:stretch/>
+        </p:blipFill>
         <p:spPr>
-          <a:xfrm rot="20259410">
-            <a:off x="-286603" y="2258188"/>
-            <a:ext cx="9717206" cy="1938992"/>
+          <a:xfrm>
+            <a:off x="150676" y="1160815"/>
+            <a:ext cx="7288922" cy="2428541"/>
           </a:xfrm>
           <a:prstGeom prst="rect">
             <a:avLst/>
           </a:prstGeom>
-          <a:noFill/>
         </p:spPr>
-        <p:txBody>
-          <a:bodyPr wrap="square" rtlCol="0">
-            <a:spAutoFit/>
-          </a:bodyPr>
+      </p:pic>
+      <p:sp>
+        <p:nvSpPr>
+          <p:cNvPr id="5" name="Title 1">
+            <a:extLst>
+              <a:ext uri="{FF2B5EF4-FFF2-40B4-BE49-F238E27FC236}">
+                <a16:creationId xmlns:a16="http://schemas.microsoft.com/office/drawing/2014/main" id="{4EB2CE4D-2FE1-3641-9CFC-E1EC40D1F800}"/>
+              </a:ext>
+            </a:extLst>
+          </p:cNvPr>
+          <p:cNvSpPr>
+            <a:spLocks noGrp="1"/>
+          </p:cNvSpPr>
+          <p:nvPr>
+            <p:ph type="title"/>
+          </p:nvPr>
+        </p:nvSpPr>
+        <p:spPr>
+          <a:xfrm>
+            <a:off x="609599" y="691488"/>
+            <a:ext cx="6347713" cy="1320800"/>
+          </a:xfrm>
+        </p:spPr>
+        <p:txBody>
+          <a:bodyPr/>
           <a:lstStyle/>
           <a:p>
-            <a:pPr algn="ctr"/>
-            <a:r>
-              <a:rPr lang="en-US" sz="6000" dirty="0">
-                <a:solidFill>
-                  <a:srgbClr val="FF0000"/>
-                </a:solidFill>
-                <a:latin typeface="Impact" panose="020B0806030902050204" pitchFamily="34" charset="0"/>
-              </a:rPr>
-              <a:t>Slides under construction</a:t>
-            </a:r>
-          </a:p>
-          <a:p>
-            <a:pPr algn="ctr"/>
-            <a:r>
-              <a:rPr lang="en-US" sz="6000" dirty="0">
-                <a:solidFill>
-                  <a:srgbClr val="FF0000"/>
-                </a:solidFill>
-                <a:latin typeface="Impact" panose="020B0806030902050204" pitchFamily="34" charset="0"/>
-              </a:rPr>
-              <a:t>Will finish Wed night.</a:t>
-            </a:r>
-          </a:p>
-        </p:txBody>
-      </p:sp>
+            <a:r>
+              <a:rPr lang="en-US" dirty="0"/>
+              <a:t>Minutes Active </a:t>
+            </a:r>
+            <a:r>
+              <a:rPr lang="en-US" i="1" dirty="0"/>
+              <a:t>(combined)</a:t>
+            </a:r>
+          </a:p>
+        </p:txBody>
+      </p:sp>
+      <p:grpSp>
+        <p:nvGrpSpPr>
+          <p:cNvPr id="4" name="Group 3">
+            <a:extLst>
+              <a:ext uri="{FF2B5EF4-FFF2-40B4-BE49-F238E27FC236}">
+                <a16:creationId xmlns:a16="http://schemas.microsoft.com/office/drawing/2014/main" id="{BA27ACA8-7057-4A47-BDFB-3C60CD0F94F1}"/>
+              </a:ext>
+            </a:extLst>
+          </p:cNvPr>
+          <p:cNvGrpSpPr/>
+          <p:nvPr/>
+        </p:nvGrpSpPr>
+        <p:grpSpPr>
+          <a:xfrm>
+            <a:off x="43215" y="3750875"/>
+            <a:ext cx="7369791" cy="2925165"/>
+            <a:chOff x="193343" y="1062256"/>
+            <a:chExt cx="7369791" cy="2925165"/>
+          </a:xfrm>
+        </p:grpSpPr>
+        <p:pic>
+          <p:nvPicPr>
+            <p:cNvPr id="7" name="Picture 6">
+              <a:extLst>
+                <a:ext uri="{FF2B5EF4-FFF2-40B4-BE49-F238E27FC236}">
+                  <a16:creationId xmlns:a16="http://schemas.microsoft.com/office/drawing/2014/main" id="{106160DB-5CCC-2344-9816-AF3543FF9D04}"/>
+                </a:ext>
+              </a:extLst>
+            </p:cNvPr>
+            <p:cNvPicPr>
+              <a:picLocks noChangeAspect="1"/>
+            </p:cNvPicPr>
+            <p:nvPr/>
+          </p:nvPicPr>
+          <p:blipFill rotWithShape="1">
+            <a:blip r:embed="rId3"/>
+            <a:srcRect l="550" t="49494" r="449"/>
+            <a:stretch/>
+          </p:blipFill>
+          <p:spPr>
+            <a:xfrm>
+              <a:off x="193343" y="1517175"/>
+              <a:ext cx="7369791" cy="2470246"/>
+            </a:xfrm>
+            <a:prstGeom prst="rect">
+              <a:avLst/>
+            </a:prstGeom>
+          </p:spPr>
+        </p:pic>
+        <p:sp>
+          <p:nvSpPr>
+            <p:cNvPr id="8" name="Title 1">
+              <a:extLst>
+                <a:ext uri="{FF2B5EF4-FFF2-40B4-BE49-F238E27FC236}">
+                  <a16:creationId xmlns:a16="http://schemas.microsoft.com/office/drawing/2014/main" id="{DEF1EDEF-3E20-8749-9027-C415A9A98795}"/>
+                </a:ext>
+              </a:extLst>
+            </p:cNvPr>
+            <p:cNvSpPr txBox="1">
+              <a:spLocks/>
+            </p:cNvSpPr>
+            <p:nvPr/>
+          </p:nvSpPr>
+          <p:spPr>
+            <a:xfrm>
+              <a:off x="761999" y="1062256"/>
+              <a:ext cx="6347713" cy="1320800"/>
+            </a:xfrm>
+            <a:prstGeom prst="rect">
+              <a:avLst/>
+            </a:prstGeom>
+          </p:spPr>
+          <p:txBody>
+            <a:bodyPr vert="horz" lIns="91440" tIns="45720" rIns="91440" bIns="45720" rtlCol="0" anchor="t">
+              <a:normAutofit/>
+            </a:bodyPr>
+            <a:lstStyle>
+              <a:lvl1pPr algn="l" defTabSz="457200" rtl="0" eaLnBrk="1" latinLnBrk="0" hangingPunct="1">
+                <a:spcBef>
+                  <a:spcPct val="0"/>
+                </a:spcBef>
+                <a:buNone/>
+                <a:defRPr sz="3600" kern="1200">
+                  <a:solidFill>
+                    <a:schemeClr val="accent1"/>
+                  </a:solidFill>
+                  <a:latin typeface="+mj-lt"/>
+                  <a:ea typeface="+mj-ea"/>
+                  <a:cs typeface="+mj-cs"/>
+                </a:defRPr>
+              </a:lvl1pPr>
+              <a:lvl2pPr eaLnBrk="1" hangingPunct="1">
+                <a:defRPr>
+                  <a:solidFill>
+                    <a:schemeClr val="tx2"/>
+                  </a:solidFill>
+                </a:defRPr>
+              </a:lvl2pPr>
+              <a:lvl3pPr eaLnBrk="1" hangingPunct="1">
+                <a:defRPr>
+                  <a:solidFill>
+                    <a:schemeClr val="tx2"/>
+                  </a:solidFill>
+                </a:defRPr>
+              </a:lvl3pPr>
+              <a:lvl4pPr eaLnBrk="1" hangingPunct="1">
+                <a:defRPr>
+                  <a:solidFill>
+                    <a:schemeClr val="tx2"/>
+                  </a:solidFill>
+                </a:defRPr>
+              </a:lvl4pPr>
+              <a:lvl5pPr eaLnBrk="1" hangingPunct="1">
+                <a:defRPr>
+                  <a:solidFill>
+                    <a:schemeClr val="tx2"/>
+                  </a:solidFill>
+                </a:defRPr>
+              </a:lvl5pPr>
+              <a:lvl6pPr eaLnBrk="1" hangingPunct="1">
+                <a:defRPr>
+                  <a:solidFill>
+                    <a:schemeClr val="tx2"/>
+                  </a:solidFill>
+                </a:defRPr>
+              </a:lvl6pPr>
+              <a:lvl7pPr eaLnBrk="1" hangingPunct="1">
+                <a:defRPr>
+                  <a:solidFill>
+                    <a:schemeClr val="tx2"/>
+                  </a:solidFill>
+                </a:defRPr>
+              </a:lvl7pPr>
+              <a:lvl8pPr eaLnBrk="1" hangingPunct="1">
+                <a:defRPr>
+                  <a:solidFill>
+                    <a:schemeClr val="tx2"/>
+                  </a:solidFill>
+                </a:defRPr>
+              </a:lvl8pPr>
+              <a:lvl9pPr eaLnBrk="1" hangingPunct="1">
+                <a:defRPr>
+                  <a:solidFill>
+                    <a:schemeClr val="tx2"/>
+                  </a:solidFill>
+                </a:defRPr>
+              </a:lvl9pPr>
+            </a:lstStyle>
+            <a:p>
+              <a:r>
+                <a:rPr lang="en-US" dirty="0"/>
+                <a:t>Minutes Sedentary</a:t>
+              </a:r>
+            </a:p>
+          </p:txBody>
+        </p:sp>
+      </p:grpSp>
     </p:spTree>
     <p:extLst>
       <p:ext uri="{BB962C8B-B14F-4D97-AF65-F5344CB8AC3E}">
-        <p14:creationId xmlns:p14="http://schemas.microsoft.com/office/powerpoint/2010/main" val="3271084535"/>
+        <p14:creationId xmlns:p14="http://schemas.microsoft.com/office/powerpoint/2010/main" val="1972999150"/>
       </p:ext>
     </p:extLst>
   </p:cSld>
@@ -6281,12 +6579,12 @@
         <p:spPr>
           <a:xfrm>
             <a:off x="473118" y="1601022"/>
-            <a:ext cx="7155977" cy="4697410"/>
+            <a:ext cx="7647300" cy="5154620"/>
           </a:xfrm>
         </p:spPr>
         <p:txBody>
           <a:bodyPr>
-            <a:normAutofit/>
+            <a:noAutofit/>
           </a:bodyPr>
           <a:lstStyle/>
           <a:p>
@@ -6314,7 +6612,27 @@
             <a:pPr lvl="1"/>
             <a:r>
               <a:rPr lang="en-US" dirty="0"/>
-              <a:t>It would be safe to assume a </a:t>
+              <a:t>Safe to assume a research study would require a more complete food       log from study participants, with daily input requirements</a:t>
+            </a:r>
+          </a:p>
+          <a:p>
+            <a:r>
+              <a:rPr lang="en-US" dirty="0"/>
+              <a:t>Most likely male</a:t>
+            </a:r>
+          </a:p>
+          <a:p>
+            <a:pPr lvl="1"/>
+            <a:r>
+              <a:rPr lang="en-US" dirty="0"/>
+              <a:t>Due to average daily calories burned (3,401)</a:t>
+            </a:r>
+          </a:p>
+          <a:p>
+            <a:pPr lvl="1"/>
+            <a:r>
+              <a:rPr lang="en-US" dirty="0"/>
+              <a:t>Note: </a:t>
             </a:r>
             <a:r>
               <a:rPr lang="en-US" dirty="0" err="1"/>
@@ -6322,33 +6640,30 @@
             </a:r>
             <a:r>
               <a:rPr lang="en-US" dirty="0"/>
-              <a:t> study would require a more complete food of participants, with daily input requirements</a:t>
-            </a:r>
-          </a:p>
-          <a:p>
-            <a:pPr marL="457200" lvl="1" indent="0">
-              <a:buNone/>
-            </a:pPr>
-            <a:endParaRPr lang="en-US" dirty="0"/>
-          </a:p>
-          <a:p>
+              <a:t> automatically populates 2,145 </a:t>
+            </a:r>
+            <a:r>
+              <a:rPr lang="en-US" dirty="0" err="1"/>
+              <a:t>cals</a:t>
+            </a:r>
             <a:r>
               <a:rPr lang="en-US" dirty="0"/>
-              <a:t>Also more likely male</a:t>
+              <a:t> burned per day, if device left inactive (</a:t>
+            </a:r>
+            <a:r>
+              <a:rPr lang="en-US" dirty="0" err="1"/>
+              <a:t>ie</a:t>
+            </a:r>
+            <a:r>
+              <a:rPr lang="en-US" dirty="0"/>
+              <a:t> “not worn”)</a:t>
             </a:r>
           </a:p>
           <a:p>
             <a:pPr lvl="1"/>
             <a:r>
               <a:rPr lang="en-US" dirty="0"/>
-              <a:t>Due to average daily calories burned (3,401)</a:t>
-            </a:r>
-          </a:p>
-          <a:p>
-            <a:pPr lvl="1"/>
-            <a:r>
-              <a:rPr lang="en-US" dirty="0"/>
-              <a:t>Note: </a:t>
+              <a:t>Again, this implies male </a:t>
             </a:r>
             <a:r>
               <a:rPr lang="en-US" dirty="0" err="1"/>
@@ -6356,32 +6671,17 @@
             </a:r>
             <a:r>
               <a:rPr lang="en-US" dirty="0"/>
-              <a:t> automatically populates 2,145 </a:t>
-            </a:r>
-            <a:r>
-              <a:rPr lang="en-US" dirty="0" err="1"/>
-              <a:t>cals</a:t>
-            </a:r>
+              <a:t> owner</a:t>
+            </a:r>
+          </a:p>
+          <a:p>
             <a:r>
               <a:rPr lang="en-US" dirty="0"/>
-              <a:t> burned per day, if device left inactive (</a:t>
-            </a:r>
-            <a:r>
-              <a:rPr lang="en-US" dirty="0" err="1"/>
-              <a:t>ie</a:t>
-            </a:r>
-            <a:r>
-              <a:rPr lang="en-US" dirty="0"/>
-              <a:t> “not worn”)</a:t>
-            </a:r>
-          </a:p>
-          <a:p>
-            <a:pPr marL="457200" lvl="1" indent="0">
-              <a:buNone/>
-            </a:pPr>
-            <a:endParaRPr lang="en-US" dirty="0"/>
-          </a:p>
-          <a:p>
+              <a:t>Began out of shape, became healthier over this time</a:t>
+            </a:r>
+          </a:p>
+          <a:p>
+            <a:pPr lvl="1"/>
             <a:r>
               <a:rPr lang="en-US" dirty="0"/>
               <a:t>Initially inactive and became more active over time</a:t>
@@ -6391,60 +6691,7 @@
             <a:pPr lvl="1"/>
             <a:r>
               <a:rPr lang="en-US" dirty="0"/>
-              <a:t>Due to average daily calories burned, daily steps, and daily minutes of activity and inactivity</a:t>
-            </a:r>
-          </a:p>
-        </p:txBody>
-      </p:sp>
-      <p:sp>
-        <p:nvSpPr>
-          <p:cNvPr id="4" name="TextBox 3">
-            <a:extLst>
-              <a:ext uri="{FF2B5EF4-FFF2-40B4-BE49-F238E27FC236}">
-                <a16:creationId xmlns:a16="http://schemas.microsoft.com/office/drawing/2014/main" id="{10276FDA-228E-684F-9725-25AD003A0D08}"/>
-              </a:ext>
-            </a:extLst>
-          </p:cNvPr>
-          <p:cNvSpPr txBox="1"/>
-          <p:nvPr/>
-        </p:nvSpPr>
-        <p:spPr>
-          <a:xfrm rot="20259410">
-            <a:off x="-286603" y="2258188"/>
-            <a:ext cx="9717206" cy="1938992"/>
-          </a:xfrm>
-          <a:prstGeom prst="rect">
-            <a:avLst/>
-          </a:prstGeom>
-          <a:noFill/>
-        </p:spPr>
-        <p:txBody>
-          <a:bodyPr wrap="square" rtlCol="0">
-            <a:spAutoFit/>
-          </a:bodyPr>
-          <a:lstStyle/>
-          <a:p>
-            <a:pPr algn="ctr"/>
-            <a:r>
-              <a:rPr lang="en-US" sz="6000" dirty="0">
-                <a:solidFill>
-                  <a:srgbClr val="FF0000"/>
-                </a:solidFill>
-                <a:latin typeface="Impact" panose="020B0806030902050204" pitchFamily="34" charset="0"/>
-              </a:rPr>
-              <a:t>Slides under construction</a:t>
-            </a:r>
-          </a:p>
-          <a:p>
-            <a:pPr algn="ctr"/>
-            <a:r>
-              <a:rPr lang="en-US" sz="6000" dirty="0">
-                <a:solidFill>
-                  <a:srgbClr val="FF0000"/>
-                </a:solidFill>
-                <a:latin typeface="Impact" panose="020B0806030902050204" pitchFamily="34" charset="0"/>
-              </a:rPr>
-              <a:t>Will finish Wed night.</a:t>
+              <a:t>Conclusion derived from increases in average daily calories burned, daily steps, and daily minutes of activity, and a decrease of inactive time</a:t>
             </a:r>
           </a:p>
         </p:txBody>
@@ -6484,6 +6731,110 @@
           <p:cNvPr id="2" name="Title 1">
             <a:extLst>
               <a:ext uri="{FF2B5EF4-FFF2-40B4-BE49-F238E27FC236}">
+                <a16:creationId xmlns:a16="http://schemas.microsoft.com/office/drawing/2014/main" id="{6A4D43B7-A059-4244-8124-DCAD3BE97288}"/>
+              </a:ext>
+            </a:extLst>
+          </p:cNvPr>
+          <p:cNvSpPr>
+            <a:spLocks noGrp="1"/>
+          </p:cNvSpPr>
+          <p:nvPr>
+            <p:ph type="title"/>
+          </p:nvPr>
+        </p:nvSpPr>
+        <p:spPr/>
+        <p:txBody>
+          <a:bodyPr/>
+          <a:lstStyle/>
+          <a:p>
+            <a:r>
+              <a:rPr lang="en-US" dirty="0"/>
+              <a:t>Four Prophet models</a:t>
+            </a:r>
+          </a:p>
+        </p:txBody>
+      </p:sp>
+      <p:sp>
+        <p:nvSpPr>
+          <p:cNvPr id="3" name="Content Placeholder 2">
+            <a:extLst>
+              <a:ext uri="{FF2B5EF4-FFF2-40B4-BE49-F238E27FC236}">
+                <a16:creationId xmlns:a16="http://schemas.microsoft.com/office/drawing/2014/main" id="{F44D7D1B-488A-164A-A095-79B5DE459BFB}"/>
+              </a:ext>
+            </a:extLst>
+          </p:cNvPr>
+          <p:cNvSpPr>
+            <a:spLocks noGrp="1"/>
+          </p:cNvSpPr>
+          <p:nvPr>
+            <p:ph idx="1"/>
+          </p:nvPr>
+        </p:nvSpPr>
+        <p:spPr/>
+        <p:txBody>
+          <a:bodyPr/>
+          <a:lstStyle/>
+          <a:p>
+            <a:r>
+              <a:rPr lang="en-US" dirty="0"/>
+              <a:t>Calories Burned</a:t>
+            </a:r>
+          </a:p>
+          <a:p>
+            <a:r>
+              <a:rPr lang="en-US" dirty="0"/>
+              <a:t>Steps</a:t>
+            </a:r>
+          </a:p>
+          <a:p>
+            <a:r>
+              <a:rPr lang="en-US" dirty="0"/>
+              <a:t>Minutes Active (all active categories summed)</a:t>
+            </a:r>
+          </a:p>
+          <a:p>
+            <a:r>
+              <a:rPr lang="en-US" dirty="0"/>
+              <a:t>Minutes Sedentary</a:t>
+            </a:r>
+          </a:p>
+        </p:txBody>
+      </p:sp>
+    </p:spTree>
+    <p:extLst>
+      <p:ext uri="{BB962C8B-B14F-4D97-AF65-F5344CB8AC3E}">
+        <p14:creationId xmlns:p14="http://schemas.microsoft.com/office/powerpoint/2010/main" val="3995893097"/>
+      </p:ext>
+    </p:extLst>
+  </p:cSld>
+  <p:clrMapOvr>
+    <a:masterClrMapping/>
+  </p:clrMapOvr>
+</p:sld>
+</file>
+
+<file path=ppt/slides/slide4.xml><?xml version="1.0" encoding="utf-8"?>
+<p:sld xmlns:a="http://schemas.openxmlformats.org/drawingml/2006/main" xmlns:r="http://schemas.openxmlformats.org/officeDocument/2006/relationships" xmlns:p="http://schemas.openxmlformats.org/presentationml/2006/main">
+  <p:cSld>
+    <p:spTree>
+      <p:nvGrpSpPr>
+        <p:cNvPr id="1" name=""/>
+        <p:cNvGrpSpPr/>
+        <p:nvPr/>
+      </p:nvGrpSpPr>
+      <p:grpSpPr>
+        <a:xfrm>
+          <a:off x="0" y="0"/>
+          <a:ext cx="0" cy="0"/>
+          <a:chOff x="0" y="0"/>
+          <a:chExt cx="0" cy="0"/>
+        </a:xfrm>
+      </p:grpSpPr>
+      <p:sp>
+        <p:nvSpPr>
+          <p:cNvPr id="2" name="Title 1">
+            <a:extLst>
+              <a:ext uri="{FF2B5EF4-FFF2-40B4-BE49-F238E27FC236}">
                 <a16:creationId xmlns:a16="http://schemas.microsoft.com/office/drawing/2014/main" id="{DF78A847-8635-0742-B25E-E6338D1196F1}"/>
               </a:ext>
             </a:extLst>
@@ -6501,10 +6852,9 @@
           <a:lstStyle/>
           <a:p>
             <a:r>
-              <a:rPr lang="en-US" dirty="0" err="1"/>
-              <a:t>Calories_burned</a:t>
-            </a:r>
-            <a:endParaRPr lang="en-US" dirty="0"/>
+              <a:rPr lang="en-US" dirty="0"/>
+              <a:t>Calories Burned</a:t>
+            </a:r>
           </a:p>
         </p:txBody>
       </p:sp>
@@ -6538,59 +6888,35 @@
           </a:prstGeom>
         </p:spPr>
       </p:pic>
-      <p:sp>
-        <p:nvSpPr>
-          <p:cNvPr id="5" name="TextBox 4">
+      <p:pic>
+        <p:nvPicPr>
+          <p:cNvPr id="15" name="Picture 14">
             <a:extLst>
               <a:ext uri="{FF2B5EF4-FFF2-40B4-BE49-F238E27FC236}">
-                <a16:creationId xmlns:a16="http://schemas.microsoft.com/office/drawing/2014/main" id="{BF6970DF-9AC3-AD4E-8210-90DA50010283}"/>
+                <a16:creationId xmlns:a16="http://schemas.microsoft.com/office/drawing/2014/main" id="{0F860F85-627E-A54C-B6A6-15B02A6A0021}"/>
               </a:ext>
             </a:extLst>
           </p:cNvPr>
-          <p:cNvSpPr txBox="1"/>
+          <p:cNvPicPr>
+            <a:picLocks noChangeAspect="1"/>
+          </p:cNvPicPr>
           <p:nvPr/>
-        </p:nvSpPr>
+        </p:nvPicPr>
+        <p:blipFill rotWithShape="1">
+          <a:blip r:embed="rId3"/>
+          <a:srcRect l="864" t="-310" r="4189" b="51038"/>
+          <a:stretch/>
+        </p:blipFill>
         <p:spPr>
-          <a:xfrm rot="20259410">
-            <a:off x="-286603" y="2258188"/>
-            <a:ext cx="9717206" cy="1938992"/>
+          <a:xfrm>
+            <a:off x="5186149" y="5435759"/>
+            <a:ext cx="3821372" cy="1306236"/>
           </a:xfrm>
           <a:prstGeom prst="rect">
             <a:avLst/>
           </a:prstGeom>
-          <a:noFill/>
         </p:spPr>
-        <p:txBody>
-          <a:bodyPr wrap="square" rtlCol="0">
-            <a:spAutoFit/>
-          </a:bodyPr>
-          <a:lstStyle/>
-          <a:p>
-            <a:pPr algn="ctr"/>
-            <a:r>
-              <a:rPr lang="en-US" sz="6000" dirty="0">
-                <a:solidFill>
-                  <a:srgbClr val="FF0000"/>
-                </a:solidFill>
-                <a:latin typeface="Impact" panose="020B0806030902050204" pitchFamily="34" charset="0"/>
-              </a:rPr>
-              <a:t>Slides under construction</a:t>
-            </a:r>
-          </a:p>
-          <a:p>
-            <a:pPr algn="ctr"/>
-            <a:r>
-              <a:rPr lang="en-US" sz="6000" dirty="0">
-                <a:solidFill>
-                  <a:srgbClr val="FF0000"/>
-                </a:solidFill>
-                <a:latin typeface="Impact" panose="020B0806030902050204" pitchFamily="34" charset="0"/>
-              </a:rPr>
-              <a:t>Will finish Wed night.</a:t>
-            </a:r>
-          </a:p>
-        </p:txBody>
-      </p:sp>
+      </p:pic>
     </p:spTree>
     <p:extLst>
       <p:ext uri="{BB962C8B-B14F-4D97-AF65-F5344CB8AC3E}">
@@ -6604,7 +6930,432 @@
 </p:sld>
 </file>
 
-<file path=ppt/slides/slide4.xml><?xml version="1.0" encoding="utf-8"?>
+<file path=ppt/slides/slide5.xml><?xml version="1.0" encoding="utf-8"?>
+<p:sld xmlns:a="http://schemas.openxmlformats.org/drawingml/2006/main" xmlns:r="http://schemas.openxmlformats.org/officeDocument/2006/relationships" xmlns:p="http://schemas.openxmlformats.org/presentationml/2006/main">
+  <p:cSld>
+    <p:spTree>
+      <p:nvGrpSpPr>
+        <p:cNvPr id="1" name=""/>
+        <p:cNvGrpSpPr/>
+        <p:nvPr/>
+      </p:nvGrpSpPr>
+      <p:grpSpPr>
+        <a:xfrm>
+          <a:off x="0" y="0"/>
+          <a:ext cx="0" cy="0"/>
+          <a:chOff x="0" y="0"/>
+          <a:chExt cx="0" cy="0"/>
+        </a:xfrm>
+      </p:grpSpPr>
+      <p:pic>
+        <p:nvPicPr>
+          <p:cNvPr id="3" name="Picture 2">
+            <a:extLst>
+              <a:ext uri="{FF2B5EF4-FFF2-40B4-BE49-F238E27FC236}">
+                <a16:creationId xmlns:a16="http://schemas.microsoft.com/office/drawing/2014/main" id="{43353774-D2E4-9248-BED5-C13DECD4459C}"/>
+              </a:ext>
+            </a:extLst>
+          </p:cNvPr>
+          <p:cNvPicPr>
+            <a:picLocks noChangeAspect="1"/>
+          </p:cNvPicPr>
+          <p:nvPr/>
+        </p:nvPicPr>
+        <p:blipFill>
+          <a:blip r:embed="rId2"/>
+          <a:stretch>
+            <a:fillRect/>
+          </a:stretch>
+        </p:blipFill>
+        <p:spPr>
+          <a:xfrm>
+            <a:off x="57407" y="1389475"/>
+            <a:ext cx="7096836" cy="4110573"/>
+          </a:xfrm>
+          <a:prstGeom prst="rect">
+            <a:avLst/>
+          </a:prstGeom>
+        </p:spPr>
+      </p:pic>
+      <p:sp>
+        <p:nvSpPr>
+          <p:cNvPr id="2" name="Title 1">
+            <a:extLst>
+              <a:ext uri="{FF2B5EF4-FFF2-40B4-BE49-F238E27FC236}">
+                <a16:creationId xmlns:a16="http://schemas.microsoft.com/office/drawing/2014/main" id="{DF78A847-8635-0742-B25E-E6338D1196F1}"/>
+              </a:ext>
+            </a:extLst>
+          </p:cNvPr>
+          <p:cNvSpPr>
+            <a:spLocks noGrp="1"/>
+          </p:cNvSpPr>
+          <p:nvPr>
+            <p:ph type="title"/>
+          </p:nvPr>
+        </p:nvSpPr>
+        <p:spPr/>
+        <p:txBody>
+          <a:bodyPr/>
+          <a:lstStyle/>
+          <a:p>
+            <a:r>
+              <a:rPr lang="en-US" dirty="0"/>
+              <a:t>Steps</a:t>
+            </a:r>
+          </a:p>
+        </p:txBody>
+      </p:sp>
+      <p:pic>
+        <p:nvPicPr>
+          <p:cNvPr id="5" name="Picture 4">
+            <a:extLst>
+              <a:ext uri="{FF2B5EF4-FFF2-40B4-BE49-F238E27FC236}">
+                <a16:creationId xmlns:a16="http://schemas.microsoft.com/office/drawing/2014/main" id="{7C8FF2E3-C389-414D-930F-F0EDFD64F5BD}"/>
+              </a:ext>
+            </a:extLst>
+          </p:cNvPr>
+          <p:cNvPicPr>
+            <a:picLocks noChangeAspect="1"/>
+          </p:cNvPicPr>
+          <p:nvPr/>
+        </p:nvPicPr>
+        <p:blipFill rotWithShape="1">
+          <a:blip r:embed="rId3"/>
+          <a:srcRect r="3018" b="50287"/>
+          <a:stretch/>
+        </p:blipFill>
+        <p:spPr>
+          <a:xfrm>
+            <a:off x="5131558" y="5427580"/>
+            <a:ext cx="3889615" cy="1300765"/>
+          </a:xfrm>
+          <a:prstGeom prst="rect">
+            <a:avLst/>
+          </a:prstGeom>
+        </p:spPr>
+      </p:pic>
+    </p:spTree>
+    <p:extLst>
+      <p:ext uri="{BB962C8B-B14F-4D97-AF65-F5344CB8AC3E}">
+        <p14:creationId xmlns:p14="http://schemas.microsoft.com/office/powerpoint/2010/main" val="1058574428"/>
+      </p:ext>
+    </p:extLst>
+  </p:cSld>
+  <p:clrMapOvr>
+    <a:masterClrMapping/>
+  </p:clrMapOvr>
+</p:sld>
+</file>
+
+<file path=ppt/slides/slide6.xml><?xml version="1.0" encoding="utf-8"?>
+<p:sld xmlns:a="http://schemas.openxmlformats.org/drawingml/2006/main" xmlns:r="http://schemas.openxmlformats.org/officeDocument/2006/relationships" xmlns:p="http://schemas.openxmlformats.org/presentationml/2006/main">
+  <p:cSld>
+    <p:spTree>
+      <p:nvGrpSpPr>
+        <p:cNvPr id="1" name=""/>
+        <p:cNvGrpSpPr/>
+        <p:nvPr/>
+      </p:nvGrpSpPr>
+      <p:grpSpPr>
+        <a:xfrm>
+          <a:off x="0" y="0"/>
+          <a:ext cx="0" cy="0"/>
+          <a:chOff x="0" y="0"/>
+          <a:chExt cx="0" cy="0"/>
+        </a:xfrm>
+      </p:grpSpPr>
+      <p:pic>
+        <p:nvPicPr>
+          <p:cNvPr id="3" name="Picture 2">
+            <a:extLst>
+              <a:ext uri="{FF2B5EF4-FFF2-40B4-BE49-F238E27FC236}">
+                <a16:creationId xmlns:a16="http://schemas.microsoft.com/office/drawing/2014/main" id="{7F19CFBD-3E6D-FD40-869C-90E8CAC1F4E4}"/>
+              </a:ext>
+            </a:extLst>
+          </p:cNvPr>
+          <p:cNvPicPr>
+            <a:picLocks noChangeAspect="1"/>
+          </p:cNvPicPr>
+          <p:nvPr/>
+        </p:nvPicPr>
+        <p:blipFill>
+          <a:blip r:embed="rId2"/>
+          <a:stretch>
+            <a:fillRect/>
+          </a:stretch>
+        </p:blipFill>
+        <p:spPr>
+          <a:xfrm>
+            <a:off x="121362" y="1401592"/>
+            <a:ext cx="7016417" cy="4084808"/>
+          </a:xfrm>
+          <a:prstGeom prst="rect">
+            <a:avLst/>
+          </a:prstGeom>
+        </p:spPr>
+      </p:pic>
+      <p:sp>
+        <p:nvSpPr>
+          <p:cNvPr id="2" name="Title 1">
+            <a:extLst>
+              <a:ext uri="{FF2B5EF4-FFF2-40B4-BE49-F238E27FC236}">
+                <a16:creationId xmlns:a16="http://schemas.microsoft.com/office/drawing/2014/main" id="{DF78A847-8635-0742-B25E-E6338D1196F1}"/>
+              </a:ext>
+            </a:extLst>
+          </p:cNvPr>
+          <p:cNvSpPr>
+            <a:spLocks noGrp="1"/>
+          </p:cNvSpPr>
+          <p:nvPr>
+            <p:ph type="title"/>
+          </p:nvPr>
+        </p:nvSpPr>
+        <p:spPr>
+          <a:xfrm>
+            <a:off x="609599" y="609600"/>
+            <a:ext cx="6347713" cy="1320800"/>
+          </a:xfrm>
+        </p:spPr>
+        <p:txBody>
+          <a:bodyPr/>
+          <a:lstStyle/>
+          <a:p>
+            <a:r>
+              <a:rPr lang="en-US"/>
+              <a:t>Minutes Active </a:t>
+            </a:r>
+            <a:r>
+              <a:rPr lang="en-US" i="1"/>
+              <a:t>(combined)</a:t>
+            </a:r>
+            <a:endParaRPr lang="en-US" i="1" dirty="0"/>
+          </a:p>
+        </p:txBody>
+      </p:sp>
+      <p:pic>
+        <p:nvPicPr>
+          <p:cNvPr id="20" name="Picture 19">
+            <a:extLst>
+              <a:ext uri="{FF2B5EF4-FFF2-40B4-BE49-F238E27FC236}">
+                <a16:creationId xmlns:a16="http://schemas.microsoft.com/office/drawing/2014/main" id="{B715A609-D1EA-9F4E-98CA-0EBC809E0810}"/>
+              </a:ext>
+            </a:extLst>
+          </p:cNvPr>
+          <p:cNvPicPr>
+            <a:picLocks noChangeAspect="1"/>
+          </p:cNvPicPr>
+          <p:nvPr/>
+        </p:nvPicPr>
+        <p:blipFill rotWithShape="1">
+          <a:blip r:embed="rId3"/>
+          <a:srcRect l="972" r="3726" b="50291"/>
+          <a:stretch/>
+        </p:blipFill>
+        <p:spPr>
+          <a:xfrm>
+            <a:off x="5281684" y="5445456"/>
+            <a:ext cx="3725838" cy="1310185"/>
+          </a:xfrm>
+          <a:prstGeom prst="rect">
+            <a:avLst/>
+          </a:prstGeom>
+        </p:spPr>
+      </p:pic>
+    </p:spTree>
+    <p:extLst>
+      <p:ext uri="{BB962C8B-B14F-4D97-AF65-F5344CB8AC3E}">
+        <p14:creationId xmlns:p14="http://schemas.microsoft.com/office/powerpoint/2010/main" val="1454268931"/>
+      </p:ext>
+    </p:extLst>
+  </p:cSld>
+  <p:clrMapOvr>
+    <a:masterClrMapping/>
+  </p:clrMapOvr>
+</p:sld>
+</file>
+
+<file path=ppt/slides/slide7.xml><?xml version="1.0" encoding="utf-8"?>
+<p:sld xmlns:a="http://schemas.openxmlformats.org/drawingml/2006/main" xmlns:r="http://schemas.openxmlformats.org/officeDocument/2006/relationships" xmlns:p="http://schemas.openxmlformats.org/presentationml/2006/main">
+  <p:cSld>
+    <p:spTree>
+      <p:nvGrpSpPr>
+        <p:cNvPr id="1" name=""/>
+        <p:cNvGrpSpPr/>
+        <p:nvPr/>
+      </p:nvGrpSpPr>
+      <p:grpSpPr>
+        <a:xfrm>
+          <a:off x="0" y="0"/>
+          <a:ext cx="0" cy="0"/>
+          <a:chOff x="0" y="0"/>
+          <a:chExt cx="0" cy="0"/>
+        </a:xfrm>
+      </p:grpSpPr>
+      <p:pic>
+        <p:nvPicPr>
+          <p:cNvPr id="3" name="Picture 2">
+            <a:extLst>
+              <a:ext uri="{FF2B5EF4-FFF2-40B4-BE49-F238E27FC236}">
+                <a16:creationId xmlns:a16="http://schemas.microsoft.com/office/drawing/2014/main" id="{9A6CBA7A-845A-A34A-AC8D-3E1F8CD2042C}"/>
+              </a:ext>
+            </a:extLst>
+          </p:cNvPr>
+          <p:cNvPicPr>
+            <a:picLocks noChangeAspect="1"/>
+          </p:cNvPicPr>
+          <p:nvPr/>
+        </p:nvPicPr>
+        <p:blipFill>
+          <a:blip r:embed="rId2"/>
+          <a:stretch>
+            <a:fillRect/>
+          </a:stretch>
+        </p:blipFill>
+        <p:spPr>
+          <a:xfrm>
+            <a:off x="122831" y="1405230"/>
+            <a:ext cx="7028596" cy="4091807"/>
+          </a:xfrm>
+          <a:prstGeom prst="rect">
+            <a:avLst/>
+          </a:prstGeom>
+        </p:spPr>
+      </p:pic>
+      <p:sp>
+        <p:nvSpPr>
+          <p:cNvPr id="2" name="Title 1">
+            <a:extLst>
+              <a:ext uri="{FF2B5EF4-FFF2-40B4-BE49-F238E27FC236}">
+                <a16:creationId xmlns:a16="http://schemas.microsoft.com/office/drawing/2014/main" id="{DF78A847-8635-0742-B25E-E6338D1196F1}"/>
+              </a:ext>
+            </a:extLst>
+          </p:cNvPr>
+          <p:cNvSpPr>
+            <a:spLocks noGrp="1"/>
+          </p:cNvSpPr>
+          <p:nvPr>
+            <p:ph type="title"/>
+          </p:nvPr>
+        </p:nvSpPr>
+        <p:spPr>
+          <a:xfrm>
+            <a:off x="609599" y="609600"/>
+            <a:ext cx="6347713" cy="1320800"/>
+          </a:xfrm>
+        </p:spPr>
+        <p:txBody>
+          <a:bodyPr/>
+          <a:lstStyle/>
+          <a:p>
+            <a:r>
+              <a:rPr lang="en-US"/>
+              <a:t>Minutes Sedentary</a:t>
+            </a:r>
+            <a:endParaRPr lang="en-US" dirty="0"/>
+          </a:p>
+        </p:txBody>
+      </p:sp>
+      <p:pic>
+        <p:nvPicPr>
+          <p:cNvPr id="20" name="Picture 19">
+            <a:extLst>
+              <a:ext uri="{FF2B5EF4-FFF2-40B4-BE49-F238E27FC236}">
+                <a16:creationId xmlns:a16="http://schemas.microsoft.com/office/drawing/2014/main" id="{26BAA802-254A-9248-BE49-50B475192C57}"/>
+              </a:ext>
+            </a:extLst>
+          </p:cNvPr>
+          <p:cNvPicPr>
+            <a:picLocks noChangeAspect="1"/>
+          </p:cNvPicPr>
+          <p:nvPr/>
+        </p:nvPicPr>
+        <p:blipFill rotWithShape="1">
+          <a:blip r:embed="rId3"/>
+          <a:srcRect r="2848" b="50208"/>
+          <a:stretch/>
+        </p:blipFill>
+        <p:spPr>
+          <a:xfrm>
+            <a:off x="5172501" y="5446074"/>
+            <a:ext cx="3845622" cy="1309276"/>
+          </a:xfrm>
+          <a:prstGeom prst="rect">
+            <a:avLst/>
+          </a:prstGeom>
+        </p:spPr>
+      </p:pic>
+    </p:spTree>
+    <p:extLst>
+      <p:ext uri="{BB962C8B-B14F-4D97-AF65-F5344CB8AC3E}">
+        <p14:creationId xmlns:p14="http://schemas.microsoft.com/office/powerpoint/2010/main" val="2789749458"/>
+      </p:ext>
+    </p:extLst>
+  </p:cSld>
+  <p:clrMapOvr>
+    <a:masterClrMapping/>
+  </p:clrMapOvr>
+</p:sld>
+</file>
+
+<file path=ppt/slides/slide8.xml><?xml version="1.0" encoding="utf-8"?>
+<p:sld xmlns:a="http://schemas.openxmlformats.org/drawingml/2006/main" xmlns:r="http://schemas.openxmlformats.org/officeDocument/2006/relationships" xmlns:p="http://schemas.openxmlformats.org/presentationml/2006/main">
+  <p:cSld>
+    <p:spTree>
+      <p:nvGrpSpPr>
+        <p:cNvPr id="1" name=""/>
+        <p:cNvGrpSpPr/>
+        <p:nvPr/>
+      </p:nvGrpSpPr>
+      <p:grpSpPr>
+        <a:xfrm>
+          <a:off x="0" y="0"/>
+          <a:ext cx="0" cy="0"/>
+          <a:chOff x="0" y="0"/>
+          <a:chExt cx="0" cy="0"/>
+        </a:xfrm>
+      </p:grpSpPr>
+      <p:sp>
+        <p:nvSpPr>
+          <p:cNvPr id="2" name="Title 1">
+            <a:extLst>
+              <a:ext uri="{FF2B5EF4-FFF2-40B4-BE49-F238E27FC236}">
+                <a16:creationId xmlns:a16="http://schemas.microsoft.com/office/drawing/2014/main" id="{6A4D43B7-A059-4244-8124-DCAD3BE97288}"/>
+              </a:ext>
+            </a:extLst>
+          </p:cNvPr>
+          <p:cNvSpPr>
+            <a:spLocks noGrp="1"/>
+          </p:cNvSpPr>
+          <p:nvPr>
+            <p:ph type="title"/>
+          </p:nvPr>
+        </p:nvSpPr>
+        <p:spPr/>
+        <p:txBody>
+          <a:bodyPr/>
+          <a:lstStyle/>
+          <a:p>
+            <a:r>
+              <a:rPr lang="en-US" dirty="0"/>
+              <a:t>Weekly views</a:t>
+            </a:r>
+          </a:p>
+        </p:txBody>
+      </p:sp>
+    </p:spTree>
+    <p:extLst>
+      <p:ext uri="{BB962C8B-B14F-4D97-AF65-F5344CB8AC3E}">
+        <p14:creationId xmlns:p14="http://schemas.microsoft.com/office/powerpoint/2010/main" val="276827299"/>
+      </p:ext>
+    </p:extLst>
+  </p:cSld>
+  <p:clrMapOvr>
+    <a:masterClrMapping/>
+  </p:clrMapOvr>
+</p:sld>
+</file>
+
+<file path=ppt/slides/slide9.xml><?xml version="1.0" encoding="utf-8"?>
 <p:sld xmlns:a="http://schemas.openxmlformats.org/drawingml/2006/main" xmlns:r="http://schemas.openxmlformats.org/officeDocument/2006/relationships" xmlns:p="http://schemas.openxmlformats.org/presentationml/2006/main">
   <p:cSld>
     <p:spTree>
@@ -6635,16 +7386,15 @@
           </p:cNvPicPr>
           <p:nvPr/>
         </p:nvPicPr>
-        <p:blipFill>
+        <p:blipFill rotWithShape="1">
           <a:blip r:embed="rId2"/>
-          <a:stretch>
-            <a:fillRect/>
-          </a:stretch>
+          <a:srcRect l="1007" t="50343" r="1088"/>
+          <a:stretch/>
         </p:blipFill>
         <p:spPr>
           <a:xfrm>
-            <a:off x="128895" y="1478982"/>
-            <a:ext cx="7022532" cy="4625797"/>
+            <a:off x="40943" y="1173705"/>
+            <a:ext cx="7369792" cy="2462228"/>
           </a:xfrm>
           <a:prstGeom prst="rect">
             <a:avLst/>
@@ -6669,7 +7419,7 @@
         </p:nvSpPr>
         <p:spPr>
           <a:xfrm>
-            <a:off x="609599" y="609600"/>
+            <a:off x="609599" y="691488"/>
             <a:ext cx="6347713" cy="1320800"/>
           </a:xfrm>
         </p:spPr>
@@ -6678,359 +7428,224 @@
           <a:lstStyle/>
           <a:p>
             <a:r>
-              <a:rPr lang="en-US" dirty="0" err="1"/>
-              <a:t>Calories_burned</a:t>
-            </a:r>
-            <a:endParaRPr lang="en-US" dirty="0"/>
-          </a:p>
-        </p:txBody>
-      </p:sp>
-      <p:sp>
-        <p:nvSpPr>
-          <p:cNvPr id="6" name="TextBox 5">
+              <a:rPr lang="en-US" dirty="0"/>
+              <a:t>Calories Burned</a:t>
+            </a:r>
+          </a:p>
+        </p:txBody>
+      </p:sp>
+      <p:grpSp>
+        <p:nvGrpSpPr>
+          <p:cNvPr id="9" name="Group 8">
             <a:extLst>
               <a:ext uri="{FF2B5EF4-FFF2-40B4-BE49-F238E27FC236}">
-                <a16:creationId xmlns:a16="http://schemas.microsoft.com/office/drawing/2014/main" id="{5D43F0D1-C890-534F-9145-C8E125121CB9}"/>
+                <a16:creationId xmlns:a16="http://schemas.microsoft.com/office/drawing/2014/main" id="{4B65C901-AB7D-B94E-B96A-6E10926652DD}"/>
               </a:ext>
             </a:extLst>
           </p:cNvPr>
-          <p:cNvSpPr txBox="1"/>
+          <p:cNvGrpSpPr/>
           <p:nvPr/>
-        </p:nvSpPr>
-        <p:spPr>
-          <a:xfrm rot="20259410">
-            <a:off x="-286603" y="2258188"/>
-            <a:ext cx="9717206" cy="1938992"/>
+        </p:nvGrpSpPr>
+        <p:grpSpPr>
+          <a:xfrm>
+            <a:off x="-32622" y="3750874"/>
+            <a:ext cx="7431981" cy="2925165"/>
+            <a:chOff x="-32622" y="3750874"/>
+            <a:chExt cx="7431981" cy="2925165"/>
           </a:xfrm>
-          <a:prstGeom prst="rect">
-            <a:avLst/>
-          </a:prstGeom>
-          <a:noFill/>
-        </p:spPr>
-        <p:txBody>
-          <a:bodyPr wrap="square" rtlCol="0">
-            <a:spAutoFit/>
-          </a:bodyPr>
-          <a:lstStyle/>
-          <a:p>
-            <a:pPr algn="ctr"/>
-            <a:r>
-              <a:rPr lang="en-US" sz="6000" dirty="0">
-                <a:solidFill>
-                  <a:srgbClr val="FF0000"/>
-                </a:solidFill>
-                <a:latin typeface="Impact" panose="020B0806030902050204" pitchFamily="34" charset="0"/>
-              </a:rPr>
-              <a:t>Slides under construction</a:t>
-            </a:r>
-          </a:p>
-          <a:p>
-            <a:pPr algn="ctr"/>
-            <a:r>
-              <a:rPr lang="en-US" sz="6000" dirty="0">
-                <a:solidFill>
-                  <a:srgbClr val="FF0000"/>
-                </a:solidFill>
-                <a:latin typeface="Impact" panose="020B0806030902050204" pitchFamily="34" charset="0"/>
-              </a:rPr>
-              <a:t>Will finish Wed night.</a:t>
-            </a:r>
-          </a:p>
-        </p:txBody>
-      </p:sp>
+        </p:grpSpPr>
+        <p:grpSp>
+          <p:nvGrpSpPr>
+            <p:cNvPr id="2" name="Group 1">
+              <a:extLst>
+                <a:ext uri="{FF2B5EF4-FFF2-40B4-BE49-F238E27FC236}">
+                  <a16:creationId xmlns:a16="http://schemas.microsoft.com/office/drawing/2014/main" id="{B832DAED-AF89-F849-85BF-B2817C637862}"/>
+                </a:ext>
+              </a:extLst>
+            </p:cNvPr>
+            <p:cNvGrpSpPr/>
+            <p:nvPr/>
+          </p:nvGrpSpPr>
+          <p:grpSpPr>
+            <a:xfrm>
+              <a:off x="-25023" y="3750874"/>
+              <a:ext cx="7424382" cy="2925165"/>
+              <a:chOff x="-25023" y="1048608"/>
+              <a:chExt cx="7424382" cy="2925165"/>
+            </a:xfrm>
+          </p:grpSpPr>
+          <p:pic>
+            <p:nvPicPr>
+              <p:cNvPr id="7" name="Picture 6">
+                <a:extLst>
+                  <a:ext uri="{FF2B5EF4-FFF2-40B4-BE49-F238E27FC236}">
+                    <a16:creationId xmlns:a16="http://schemas.microsoft.com/office/drawing/2014/main" id="{803A78EF-D10F-FB4B-BA47-F1818683C37E}"/>
+                  </a:ext>
+                </a:extLst>
+              </p:cNvPr>
+              <p:cNvPicPr>
+                <a:picLocks noChangeAspect="1"/>
+              </p:cNvPicPr>
+              <p:nvPr/>
+            </p:nvPicPr>
+            <p:blipFill rotWithShape="1">
+              <a:blip r:embed="rId3"/>
+              <a:srcRect l="753" t="50589" r="545"/>
+              <a:stretch/>
+            </p:blipFill>
+            <p:spPr>
+              <a:xfrm>
+                <a:off x="-25023" y="1544472"/>
+                <a:ext cx="7424382" cy="2429301"/>
+              </a:xfrm>
+              <a:prstGeom prst="rect">
+                <a:avLst/>
+              </a:prstGeom>
+            </p:spPr>
+          </p:pic>
+          <p:sp>
+            <p:nvSpPr>
+              <p:cNvPr id="8" name="Title 1">
+                <a:extLst>
+                  <a:ext uri="{FF2B5EF4-FFF2-40B4-BE49-F238E27FC236}">
+                    <a16:creationId xmlns:a16="http://schemas.microsoft.com/office/drawing/2014/main" id="{CBB420F9-A5A7-CE4E-A7EA-DDC8F1253030}"/>
+                  </a:ext>
+                </a:extLst>
+              </p:cNvPr>
+              <p:cNvSpPr txBox="1">
+                <a:spLocks/>
+              </p:cNvSpPr>
+              <p:nvPr/>
+            </p:nvSpPr>
+            <p:spPr>
+              <a:xfrm>
+                <a:off x="598224" y="1048608"/>
+                <a:ext cx="6347713" cy="1320800"/>
+              </a:xfrm>
+              <a:prstGeom prst="rect">
+                <a:avLst/>
+              </a:prstGeom>
+            </p:spPr>
+            <p:txBody>
+              <a:bodyPr vert="horz" lIns="91440" tIns="45720" rIns="91440" bIns="45720" rtlCol="0" anchor="t">
+                <a:normAutofit/>
+              </a:bodyPr>
+              <a:lstStyle>
+                <a:lvl1pPr algn="l" defTabSz="457200" rtl="0" eaLnBrk="1" latinLnBrk="0" hangingPunct="1">
+                  <a:spcBef>
+                    <a:spcPct val="0"/>
+                  </a:spcBef>
+                  <a:buNone/>
+                  <a:defRPr sz="3600" kern="1200">
+                    <a:solidFill>
+                      <a:schemeClr val="accent1"/>
+                    </a:solidFill>
+                    <a:latin typeface="+mj-lt"/>
+                    <a:ea typeface="+mj-ea"/>
+                    <a:cs typeface="+mj-cs"/>
+                  </a:defRPr>
+                </a:lvl1pPr>
+                <a:lvl2pPr eaLnBrk="1" hangingPunct="1">
+                  <a:defRPr>
+                    <a:solidFill>
+                      <a:schemeClr val="tx2"/>
+                    </a:solidFill>
+                  </a:defRPr>
+                </a:lvl2pPr>
+                <a:lvl3pPr eaLnBrk="1" hangingPunct="1">
+                  <a:defRPr>
+                    <a:solidFill>
+                      <a:schemeClr val="tx2"/>
+                    </a:solidFill>
+                  </a:defRPr>
+                </a:lvl3pPr>
+                <a:lvl4pPr eaLnBrk="1" hangingPunct="1">
+                  <a:defRPr>
+                    <a:solidFill>
+                      <a:schemeClr val="tx2"/>
+                    </a:solidFill>
+                  </a:defRPr>
+                </a:lvl4pPr>
+                <a:lvl5pPr eaLnBrk="1" hangingPunct="1">
+                  <a:defRPr>
+                    <a:solidFill>
+                      <a:schemeClr val="tx2"/>
+                    </a:solidFill>
+                  </a:defRPr>
+                </a:lvl5pPr>
+                <a:lvl6pPr eaLnBrk="1" hangingPunct="1">
+                  <a:defRPr>
+                    <a:solidFill>
+                      <a:schemeClr val="tx2"/>
+                    </a:solidFill>
+                  </a:defRPr>
+                </a:lvl6pPr>
+                <a:lvl7pPr eaLnBrk="1" hangingPunct="1">
+                  <a:defRPr>
+                    <a:solidFill>
+                      <a:schemeClr val="tx2"/>
+                    </a:solidFill>
+                  </a:defRPr>
+                </a:lvl7pPr>
+                <a:lvl8pPr eaLnBrk="1" hangingPunct="1">
+                  <a:defRPr>
+                    <a:solidFill>
+                      <a:schemeClr val="tx2"/>
+                    </a:solidFill>
+                  </a:defRPr>
+                </a:lvl8pPr>
+                <a:lvl9pPr eaLnBrk="1" hangingPunct="1">
+                  <a:defRPr>
+                    <a:solidFill>
+                      <a:schemeClr val="tx2"/>
+                    </a:solidFill>
+                  </a:defRPr>
+                </a:lvl9pPr>
+              </a:lstStyle>
+              <a:p>
+                <a:r>
+                  <a:rPr lang="en-US" dirty="0"/>
+                  <a:t>Steps</a:t>
+                </a:r>
+              </a:p>
+            </p:txBody>
+          </p:sp>
+        </p:grpSp>
+        <p:pic>
+          <p:nvPicPr>
+            <p:cNvPr id="3" name="Picture 2">
+              <a:extLst>
+                <a:ext uri="{FF2B5EF4-FFF2-40B4-BE49-F238E27FC236}">
+                  <a16:creationId xmlns:a16="http://schemas.microsoft.com/office/drawing/2014/main" id="{3C822BA7-4B0B-A644-BB69-BF29D4A8F133}"/>
+                </a:ext>
+              </a:extLst>
+            </p:cNvPr>
+            <p:cNvPicPr>
+              <a:picLocks noChangeAspect="1"/>
+            </p:cNvPicPr>
+            <p:nvPr/>
+          </p:nvPicPr>
+          <p:blipFill>
+            <a:blip r:embed="rId4"/>
+            <a:stretch>
+              <a:fillRect/>
+            </a:stretch>
+          </p:blipFill>
+          <p:spPr>
+            <a:xfrm>
+              <a:off x="-32622" y="4971199"/>
+              <a:ext cx="266700" cy="685800"/>
+            </a:xfrm>
+            <a:prstGeom prst="rect">
+              <a:avLst/>
+            </a:prstGeom>
+          </p:spPr>
+        </p:pic>
+      </p:grpSp>
     </p:spTree>
     <p:extLst>
       <p:ext uri="{BB962C8B-B14F-4D97-AF65-F5344CB8AC3E}">
         <p14:creationId xmlns:p14="http://schemas.microsoft.com/office/powerpoint/2010/main" val="3260463585"/>
-      </p:ext>
-    </p:extLst>
-  </p:cSld>
-  <p:clrMapOvr>
-    <a:masterClrMapping/>
-  </p:clrMapOvr>
-</p:sld>
-</file>
-
-<file path=ppt/slides/slide5.xml><?xml version="1.0" encoding="utf-8"?>
-<p:sld xmlns:a="http://schemas.openxmlformats.org/drawingml/2006/main" xmlns:r="http://schemas.openxmlformats.org/officeDocument/2006/relationships" xmlns:p="http://schemas.openxmlformats.org/presentationml/2006/main">
-  <p:cSld>
-    <p:spTree>
-      <p:nvGrpSpPr>
-        <p:cNvPr id="1" name=""/>
-        <p:cNvGrpSpPr/>
-        <p:nvPr/>
-      </p:nvGrpSpPr>
-      <p:grpSpPr>
-        <a:xfrm>
-          <a:off x="0" y="0"/>
-          <a:ext cx="0" cy="0"/>
-          <a:chOff x="0" y="0"/>
-          <a:chExt cx="0" cy="0"/>
-        </a:xfrm>
-      </p:grpSpPr>
-      <p:sp>
-        <p:nvSpPr>
-          <p:cNvPr id="2" name="Title 1">
-            <a:extLst>
-              <a:ext uri="{FF2B5EF4-FFF2-40B4-BE49-F238E27FC236}">
-                <a16:creationId xmlns:a16="http://schemas.microsoft.com/office/drawing/2014/main" id="{DF78A847-8635-0742-B25E-E6338D1196F1}"/>
-              </a:ext>
-            </a:extLst>
-          </p:cNvPr>
-          <p:cNvSpPr>
-            <a:spLocks noGrp="1"/>
-          </p:cNvSpPr>
-          <p:nvPr>
-            <p:ph type="title"/>
-          </p:nvPr>
-        </p:nvSpPr>
-        <p:spPr/>
-        <p:txBody>
-          <a:bodyPr/>
-          <a:lstStyle/>
-          <a:p>
-            <a:r>
-              <a:rPr lang="en-US" dirty="0" err="1"/>
-              <a:t>Calories_burned</a:t>
-            </a:r>
-            <a:endParaRPr lang="en-US" dirty="0"/>
-          </a:p>
-        </p:txBody>
-      </p:sp>
-      <p:pic>
-        <p:nvPicPr>
-          <p:cNvPr id="4" name="Picture 3">
-            <a:extLst>
-              <a:ext uri="{FF2B5EF4-FFF2-40B4-BE49-F238E27FC236}">
-                <a16:creationId xmlns:a16="http://schemas.microsoft.com/office/drawing/2014/main" id="{7B49EDE8-EE4C-4640-AFFF-07E51B0F41AC}"/>
-              </a:ext>
-            </a:extLst>
-          </p:cNvPr>
-          <p:cNvPicPr>
-            <a:picLocks noChangeAspect="1"/>
-          </p:cNvPicPr>
-          <p:nvPr/>
-        </p:nvPicPr>
-        <p:blipFill>
-          <a:blip r:embed="rId2"/>
-          <a:stretch>
-            <a:fillRect/>
-          </a:stretch>
-        </p:blipFill>
-        <p:spPr>
-          <a:xfrm>
-            <a:off x="95535" y="1375827"/>
-            <a:ext cx="7096836" cy="4106345"/>
-          </a:xfrm>
-          <a:prstGeom prst="rect">
-            <a:avLst/>
-          </a:prstGeom>
-        </p:spPr>
-      </p:pic>
-      <p:sp>
-        <p:nvSpPr>
-          <p:cNvPr id="5" name="TextBox 4">
-            <a:extLst>
-              <a:ext uri="{FF2B5EF4-FFF2-40B4-BE49-F238E27FC236}">
-                <a16:creationId xmlns:a16="http://schemas.microsoft.com/office/drawing/2014/main" id="{09A82A7B-2E86-9D45-8627-8D1ED3FFC14A}"/>
-              </a:ext>
-            </a:extLst>
-          </p:cNvPr>
-          <p:cNvSpPr txBox="1"/>
-          <p:nvPr/>
-        </p:nvSpPr>
-        <p:spPr>
-          <a:xfrm rot="20259410">
-            <a:off x="-286603" y="2258188"/>
-            <a:ext cx="9717206" cy="1938992"/>
-          </a:xfrm>
-          <a:prstGeom prst="rect">
-            <a:avLst/>
-          </a:prstGeom>
-          <a:noFill/>
-        </p:spPr>
-        <p:txBody>
-          <a:bodyPr wrap="square" rtlCol="0">
-            <a:spAutoFit/>
-          </a:bodyPr>
-          <a:lstStyle/>
-          <a:p>
-            <a:pPr algn="ctr"/>
-            <a:r>
-              <a:rPr lang="en-US" sz="6000" dirty="0">
-                <a:solidFill>
-                  <a:srgbClr val="FF0000"/>
-                </a:solidFill>
-                <a:latin typeface="Impact" panose="020B0806030902050204" pitchFamily="34" charset="0"/>
-              </a:rPr>
-              <a:t>Slides under construction</a:t>
-            </a:r>
-          </a:p>
-          <a:p>
-            <a:pPr algn="ctr"/>
-            <a:r>
-              <a:rPr lang="en-US" sz="6000" dirty="0">
-                <a:solidFill>
-                  <a:srgbClr val="FF0000"/>
-                </a:solidFill>
-                <a:latin typeface="Impact" panose="020B0806030902050204" pitchFamily="34" charset="0"/>
-              </a:rPr>
-              <a:t>Will finish Wed night.</a:t>
-            </a:r>
-          </a:p>
-        </p:txBody>
-      </p:sp>
-    </p:spTree>
-    <p:extLst>
-      <p:ext uri="{BB962C8B-B14F-4D97-AF65-F5344CB8AC3E}">
-        <p14:creationId xmlns:p14="http://schemas.microsoft.com/office/powerpoint/2010/main" val="1230899565"/>
-      </p:ext>
-    </p:extLst>
-  </p:cSld>
-  <p:clrMapOvr>
-    <a:masterClrMapping/>
-  </p:clrMapOvr>
-</p:sld>
-</file>
-
-<file path=ppt/slides/slide6.xml><?xml version="1.0" encoding="utf-8"?>
-<p:sld xmlns:a="http://schemas.openxmlformats.org/drawingml/2006/main" xmlns:r="http://schemas.openxmlformats.org/officeDocument/2006/relationships" xmlns:p="http://schemas.openxmlformats.org/presentationml/2006/main">
-  <p:cSld>
-    <p:spTree>
-      <p:nvGrpSpPr>
-        <p:cNvPr id="1" name=""/>
-        <p:cNvGrpSpPr/>
-        <p:nvPr/>
-      </p:nvGrpSpPr>
-      <p:grpSpPr>
-        <a:xfrm>
-          <a:off x="0" y="0"/>
-          <a:ext cx="0" cy="0"/>
-          <a:chOff x="0" y="0"/>
-          <a:chExt cx="0" cy="0"/>
-        </a:xfrm>
-      </p:grpSpPr>
-      <p:pic>
-        <p:nvPicPr>
-          <p:cNvPr id="4" name="Picture 3">
-            <a:extLst>
-              <a:ext uri="{FF2B5EF4-FFF2-40B4-BE49-F238E27FC236}">
-                <a16:creationId xmlns:a16="http://schemas.microsoft.com/office/drawing/2014/main" id="{20EA1750-86AD-3247-A2EC-95E116C2DFDD}"/>
-              </a:ext>
-            </a:extLst>
-          </p:cNvPr>
-          <p:cNvPicPr>
-            <a:picLocks noChangeAspect="1"/>
-          </p:cNvPicPr>
-          <p:nvPr/>
-        </p:nvPicPr>
-        <p:blipFill>
-          <a:blip r:embed="rId2"/>
-          <a:stretch>
-            <a:fillRect/>
-          </a:stretch>
-        </p:blipFill>
-        <p:spPr>
-          <a:xfrm>
-            <a:off x="128895" y="1478982"/>
-            <a:ext cx="7022532" cy="4625797"/>
-          </a:xfrm>
-          <a:prstGeom prst="rect">
-            <a:avLst/>
-          </a:prstGeom>
-        </p:spPr>
-      </p:pic>
-      <p:sp>
-        <p:nvSpPr>
-          <p:cNvPr id="5" name="Title 1">
-            <a:extLst>
-              <a:ext uri="{FF2B5EF4-FFF2-40B4-BE49-F238E27FC236}">
-                <a16:creationId xmlns:a16="http://schemas.microsoft.com/office/drawing/2014/main" id="{4EB2CE4D-2FE1-3641-9CFC-E1EC40D1F800}"/>
-              </a:ext>
-            </a:extLst>
-          </p:cNvPr>
-          <p:cNvSpPr>
-            <a:spLocks noGrp="1"/>
-          </p:cNvSpPr>
-          <p:nvPr>
-            <p:ph type="title"/>
-          </p:nvPr>
-        </p:nvSpPr>
-        <p:spPr>
-          <a:xfrm>
-            <a:off x="609599" y="609600"/>
-            <a:ext cx="6347713" cy="1320800"/>
-          </a:xfrm>
-        </p:spPr>
-        <p:txBody>
-          <a:bodyPr/>
-          <a:lstStyle/>
-          <a:p>
-            <a:r>
-              <a:rPr lang="en-US" dirty="0" err="1"/>
-              <a:t>Calories_burned</a:t>
-            </a:r>
-            <a:endParaRPr lang="en-US" dirty="0"/>
-          </a:p>
-        </p:txBody>
-      </p:sp>
-      <p:sp>
-        <p:nvSpPr>
-          <p:cNvPr id="6" name="TextBox 5">
-            <a:extLst>
-              <a:ext uri="{FF2B5EF4-FFF2-40B4-BE49-F238E27FC236}">
-                <a16:creationId xmlns:a16="http://schemas.microsoft.com/office/drawing/2014/main" id="{5946CC26-81A1-164C-8E74-3A1FE5189EBF}"/>
-              </a:ext>
-            </a:extLst>
-          </p:cNvPr>
-          <p:cNvSpPr txBox="1"/>
-          <p:nvPr/>
-        </p:nvSpPr>
-        <p:spPr>
-          <a:xfrm rot="20259410">
-            <a:off x="-286603" y="2258188"/>
-            <a:ext cx="9717206" cy="1938992"/>
-          </a:xfrm>
-          <a:prstGeom prst="rect">
-            <a:avLst/>
-          </a:prstGeom>
-          <a:noFill/>
-        </p:spPr>
-        <p:txBody>
-          <a:bodyPr wrap="square" rtlCol="0">
-            <a:spAutoFit/>
-          </a:bodyPr>
-          <a:lstStyle/>
-          <a:p>
-            <a:pPr algn="ctr"/>
-            <a:r>
-              <a:rPr lang="en-US" sz="6000" dirty="0">
-                <a:solidFill>
-                  <a:srgbClr val="FF0000"/>
-                </a:solidFill>
-                <a:latin typeface="Impact" panose="020B0806030902050204" pitchFamily="34" charset="0"/>
-              </a:rPr>
-              <a:t>Slides under construction</a:t>
-            </a:r>
-          </a:p>
-          <a:p>
-            <a:pPr algn="ctr"/>
-            <a:r>
-              <a:rPr lang="en-US" sz="6000" dirty="0">
-                <a:solidFill>
-                  <a:srgbClr val="FF0000"/>
-                </a:solidFill>
-                <a:latin typeface="Impact" panose="020B0806030902050204" pitchFamily="34" charset="0"/>
-              </a:rPr>
-              <a:t>Will finish Wed night.</a:t>
-            </a:r>
-          </a:p>
-        </p:txBody>
-      </p:sp>
-    </p:spTree>
-    <p:extLst>
-      <p:ext uri="{BB962C8B-B14F-4D97-AF65-F5344CB8AC3E}">
-        <p14:creationId xmlns:p14="http://schemas.microsoft.com/office/powerpoint/2010/main" val="1207900285"/>
       </p:ext>
     </p:extLst>
   </p:cSld>
